--- a/Homework2/answer.pptx
+++ b/Homework2/answer.pptx
@@ -290,7 +290,7 @@
             <a:fld id="{1D8BD707-D9CF-40AE-B4C6-C98DA3205C09}" type="datetimeFigureOut">
               <a:rPr lang="en-US" smtClean="0"/>
               <a:pPr/>
-              <a:t>1/13/2018</a:t>
+              <a:t>1/15/2018</a:t>
             </a:fld>
             <a:endParaRPr lang="en-US"/>
           </a:p>
@@ -457,7 +457,7 @@
             <a:fld id="{1D8BD707-D9CF-40AE-B4C6-C98DA3205C09}" type="datetimeFigureOut">
               <a:rPr lang="en-US" smtClean="0"/>
               <a:pPr/>
-              <a:t>1/13/2018</a:t>
+              <a:t>1/15/2018</a:t>
             </a:fld>
             <a:endParaRPr lang="en-US"/>
           </a:p>
@@ -634,7 +634,7 @@
             <a:fld id="{1D8BD707-D9CF-40AE-B4C6-C98DA3205C09}" type="datetimeFigureOut">
               <a:rPr lang="en-US" smtClean="0"/>
               <a:pPr/>
-              <a:t>1/13/2018</a:t>
+              <a:t>1/15/2018</a:t>
             </a:fld>
             <a:endParaRPr lang="en-US"/>
           </a:p>
@@ -801,7 +801,7 @@
             <a:fld id="{1D8BD707-D9CF-40AE-B4C6-C98DA3205C09}" type="datetimeFigureOut">
               <a:rPr lang="en-US" smtClean="0"/>
               <a:pPr/>
-              <a:t>1/13/2018</a:t>
+              <a:t>1/15/2018</a:t>
             </a:fld>
             <a:endParaRPr lang="en-US"/>
           </a:p>
@@ -1044,7 +1044,7 @@
             <a:fld id="{1D8BD707-D9CF-40AE-B4C6-C98DA3205C09}" type="datetimeFigureOut">
               <a:rPr lang="en-US" smtClean="0"/>
               <a:pPr/>
-              <a:t>1/13/2018</a:t>
+              <a:t>1/15/2018</a:t>
             </a:fld>
             <a:endParaRPr lang="en-US"/>
           </a:p>
@@ -1329,7 +1329,7 @@
             <a:fld id="{1D8BD707-D9CF-40AE-B4C6-C98DA3205C09}" type="datetimeFigureOut">
               <a:rPr lang="en-US" smtClean="0"/>
               <a:pPr/>
-              <a:t>1/13/2018</a:t>
+              <a:t>1/15/2018</a:t>
             </a:fld>
             <a:endParaRPr lang="en-US"/>
           </a:p>
@@ -1748,7 +1748,7 @@
             <a:fld id="{1D8BD707-D9CF-40AE-B4C6-C98DA3205C09}" type="datetimeFigureOut">
               <a:rPr lang="en-US" smtClean="0"/>
               <a:pPr/>
-              <a:t>1/13/2018</a:t>
+              <a:t>1/15/2018</a:t>
             </a:fld>
             <a:endParaRPr lang="en-US"/>
           </a:p>
@@ -1863,7 +1863,7 @@
             <a:fld id="{1D8BD707-D9CF-40AE-B4C6-C98DA3205C09}" type="datetimeFigureOut">
               <a:rPr lang="en-US" smtClean="0"/>
               <a:pPr/>
-              <a:t>1/13/2018</a:t>
+              <a:t>1/15/2018</a:t>
             </a:fld>
             <a:endParaRPr lang="en-US"/>
           </a:p>
@@ -1955,7 +1955,7 @@
             <a:fld id="{1D8BD707-D9CF-40AE-B4C6-C98DA3205C09}" type="datetimeFigureOut">
               <a:rPr lang="en-US" smtClean="0"/>
               <a:pPr/>
-              <a:t>1/13/2018</a:t>
+              <a:t>1/15/2018</a:t>
             </a:fld>
             <a:endParaRPr lang="en-US"/>
           </a:p>
@@ -2229,7 +2229,7 @@
             <a:fld id="{1D8BD707-D9CF-40AE-B4C6-C98DA3205C09}" type="datetimeFigureOut">
               <a:rPr lang="en-US" smtClean="0"/>
               <a:pPr/>
-              <a:t>1/13/2018</a:t>
+              <a:t>1/15/2018</a:t>
             </a:fld>
             <a:endParaRPr lang="en-US"/>
           </a:p>
@@ -2479,7 +2479,7 @@
             <a:fld id="{1D8BD707-D9CF-40AE-B4C6-C98DA3205C09}" type="datetimeFigureOut">
               <a:rPr lang="en-US" smtClean="0"/>
               <a:pPr/>
-              <a:t>1/13/2018</a:t>
+              <a:t>1/15/2018</a:t>
             </a:fld>
             <a:endParaRPr lang="en-US"/>
           </a:p>
@@ -2689,7 +2689,7 @@
             <a:fld id="{1D8BD707-D9CF-40AE-B4C6-C98DA3205C09}" type="datetimeFigureOut">
               <a:rPr lang="en-US" smtClean="0"/>
               <a:pPr/>
-              <a:t>1/13/2018</a:t>
+              <a:t>1/15/2018</a:t>
             </a:fld>
             <a:endParaRPr lang="en-US"/>
           </a:p>
@@ -3083,25 +3083,30 @@
             <a:pPr algn="l"/>
             <a:r>
               <a:rPr lang="en-US" dirty="0" smtClean="0"/>
-              <a:t>1) A Boolean is a</a:t>
+              <a:t>1) A Boolean is </a:t>
+            </a:r>
+            <a:r>
+              <a:rPr lang="en-US" dirty="0" smtClean="0"/>
+              <a:t>a True or False value</a:t>
+            </a:r>
+            <a:r>
+              <a:rPr lang="en-US" dirty="0" smtClean="0"/>
+              <a:t/>
             </a:r>
             <a:br>
               <a:rPr lang="en-US" dirty="0" smtClean="0"/>
             </a:br>
             <a:r>
               <a:rPr lang="en-US" dirty="0" smtClean="0"/>
-              <a:t/>
-            </a:r>
-            <a:br>
+              <a:t>2) Nested conditionals are </a:t>
+            </a:r>
+            <a:r>
               <a:rPr lang="en-US" dirty="0" smtClean="0"/>
-            </a:br>
-            <a:r>
-              <a:rPr lang="en-US" dirty="0" smtClean="0"/>
-              <a:t>2) </a:t>
-            </a:r>
-            <a:r>
-              <a:rPr lang="en-US" smtClean="0"/>
-              <a:t>Nested conditionals are </a:t>
+              <a:t>conditions contained in </a:t>
+            </a:r>
+            <a:r>
+              <a:rPr lang="en-US" smtClean="0"/>
+              <a:t>another condition</a:t>
             </a:r>
             <a:endParaRPr lang="en-US" dirty="0"/>
           </a:p>
@@ -3152,7 +3157,36 @@
           <a:bodyPr/>
           <a:lstStyle/>
           <a:p>
-            <a:endParaRPr lang="en-US" dirty="0"/>
+            <a:r>
+              <a:rPr lang="en-US" dirty="0" smtClean="0"/>
+              <a:t>A flowchart</a:t>
+            </a:r>
+            <a:r>
+              <a:rPr lang="en-US" dirty="0"/>
+              <a:t/>
+            </a:r>
+            <a:br>
+              <a:rPr lang="en-US" dirty="0"/>
+            </a:br>
+            <a:r>
+              <a:rPr lang="en-US" dirty="0" smtClean="0"/>
+              <a:t>represents the</a:t>
+            </a:r>
+            <a:br>
+              <a:rPr lang="en-US" dirty="0" smtClean="0"/>
+            </a:br>
+            <a:r>
+              <a:rPr lang="en-US" dirty="0" smtClean="0"/>
+              <a:t>logical flow</a:t>
+            </a:r>
+            <a:br>
+              <a:rPr lang="en-US" dirty="0" smtClean="0"/>
+            </a:br>
+            <a:r>
+              <a:rPr lang="en-US" dirty="0" smtClean="0"/>
+              <a:t>of a program</a:t>
+            </a:r>
+            <a:endParaRPr lang="en-US" dirty="0" smtClean="0"/>
           </a:p>
         </p:txBody>
       </p:sp>
@@ -3693,11 +3727,7 @@
             <a:pPr algn="ctr"/>
             <a:r>
               <a:rPr lang="en-US" dirty="0" smtClean="0"/>
-              <a:t>(</a:t>
-            </a:r>
-            <a:r>
-              <a:rPr lang="en-US" dirty="0" smtClean="0"/>
-              <a:t>Go to link</a:t>
+              <a:t>(Go to link</a:t>
             </a:r>
             <a:r>
               <a:rPr lang="en-US" dirty="0" smtClean="0">
@@ -3733,10 +3763,6 @@
             <a:r>
               <a:rPr lang="en-US" dirty="0" smtClean="0"/>
               <a:t>”) </a:t>
-            </a:r>
-            <a:r>
-              <a:rPr lang="en-US" dirty="0" smtClean="0"/>
-              <a:t/>
             </a:r>
             <a:br>
               <a:rPr lang="en-US" dirty="0" smtClean="0"/>
